--- a/slides/shadow.pptx
+++ b/slides/shadow.pptx
@@ -5,7 +5,7 @@
     <p:sldMasterId id="2147483648" r:id="rId1"/>
   </p:sldMasterIdLst>
   <p:notesMasterIdLst>
-    <p:notesMasterId r:id="rId8"/>
+    <p:notesMasterId r:id="rId7"/>
   </p:notesMasterIdLst>
   <p:sldIdLst>
     <p:sldId id="491" r:id="rId2"/>
@@ -13,7 +13,6 @@
     <p:sldId id="492" r:id="rId4"/>
     <p:sldId id="493" r:id="rId5"/>
     <p:sldId id="494" r:id="rId6"/>
-    <p:sldId id="450" r:id="rId7"/>
   </p:sldIdLst>
   <p:sldSz cx="9144000" cy="6858000" type="screen4x3"/>
   <p:notesSz cx="7315200" cy="9601200"/>
@@ -144,7 +143,7 @@
   </p:defaultTextStyle>
   <p:extLst>
     <p:ext uri="{EFAFB233-063F-42B5-8137-9DF3F51BA10A}">
-      <p15:sldGuideLst xmlns="" xmlns:p15="http://schemas.microsoft.com/office/powerpoint/2012/main">
+      <p15:sldGuideLst xmlns:p15="http://schemas.microsoft.com/office/powerpoint/2012/main" xmlns="">
         <p15:guide id="1" orient="horz" pos="2160">
           <p15:clr>
             <a:srgbClr val="A4A3A4"/>
@@ -259,7 +258,7 @@
               <a:pPr>
                 <a:defRPr/>
               </a:pPr>
-              <a:t>04/05/19</a:t>
+              <a:t>17/05/19</a:t>
             </a:fld>
             <a:endParaRPr lang="en-GB"/>
           </a:p>
@@ -761,7 +760,7 @@
               <a:pPr>
                 <a:defRPr/>
               </a:pPr>
-              <a:t>04/05/19</a:t>
+              <a:t>17/05/19</a:t>
             </a:fld>
             <a:endParaRPr lang="en-US"/>
           </a:p>
@@ -953,7 +952,7 @@
               <a:pPr>
                 <a:defRPr/>
               </a:pPr>
-              <a:t>04/05/19</a:t>
+              <a:t>17/05/19</a:t>
             </a:fld>
             <a:endParaRPr lang="en-US"/>
           </a:p>
@@ -1155,7 +1154,7 @@
               <a:pPr>
                 <a:defRPr/>
               </a:pPr>
-              <a:t>04/05/19</a:t>
+              <a:t>17/05/19</a:t>
             </a:fld>
             <a:endParaRPr lang="en-US"/>
           </a:p>
@@ -1414,7 +1413,7 @@
               <a:pPr>
                 <a:defRPr/>
               </a:pPr>
-              <a:t>04/05/19</a:t>
+              <a:t>17/05/19</a:t>
             </a:fld>
             <a:endParaRPr lang="en-US"/>
           </a:p>
@@ -1584,7 +1583,7 @@
               <a:pPr>
                 <a:defRPr/>
               </a:pPr>
-              <a:t>04/05/19</a:t>
+              <a:t>17/05/19</a:t>
             </a:fld>
             <a:endParaRPr lang="en-US"/>
           </a:p>
@@ -1776,7 +1775,7 @@
               <a:pPr>
                 <a:defRPr/>
               </a:pPr>
-              <a:t>04/05/19</a:t>
+              <a:t>17/05/19</a:t>
             </a:fld>
             <a:endParaRPr lang="en-US"/>
           </a:p>
@@ -2044,7 +2043,7 @@
               <a:pPr>
                 <a:defRPr/>
               </a:pPr>
-              <a:t>04/05/19</a:t>
+              <a:t>17/05/19</a:t>
             </a:fld>
             <a:endParaRPr lang="en-US"/>
           </a:p>
@@ -2354,7 +2353,7 @@
               <a:pPr>
                 <a:defRPr/>
               </a:pPr>
-              <a:t>04/05/19</a:t>
+              <a:t>17/05/19</a:t>
             </a:fld>
             <a:endParaRPr lang="en-US"/>
           </a:p>
@@ -2798,7 +2797,7 @@
               <a:pPr>
                 <a:defRPr/>
               </a:pPr>
-              <a:t>04/05/19</a:t>
+              <a:t>17/05/19</a:t>
             </a:fld>
             <a:endParaRPr lang="en-US"/>
           </a:p>
@@ -2938,7 +2937,7 @@
               <a:pPr>
                 <a:defRPr/>
               </a:pPr>
-              <a:t>04/05/19</a:t>
+              <a:t>17/05/19</a:t>
             </a:fld>
             <a:endParaRPr lang="en-US"/>
           </a:p>
@@ -3055,7 +3054,7 @@
               <a:pPr>
                 <a:defRPr/>
               </a:pPr>
-              <a:t>04/05/19</a:t>
+              <a:t>17/05/19</a:t>
             </a:fld>
             <a:endParaRPr lang="en-US"/>
           </a:p>
@@ -3354,7 +3353,7 @@
               <a:pPr>
                 <a:defRPr/>
               </a:pPr>
-              <a:t>04/05/19</a:t>
+              <a:t>17/05/19</a:t>
             </a:fld>
             <a:endParaRPr lang="en-US"/>
           </a:p>
@@ -3632,7 +3631,7 @@
               <a:pPr>
                 <a:defRPr/>
               </a:pPr>
-              <a:t>04/05/19</a:t>
+              <a:t>17/05/19</a:t>
             </a:fld>
             <a:endParaRPr lang="en-US"/>
           </a:p>
@@ -3918,7 +3917,7 @@
               <a:pPr>
                 <a:defRPr/>
               </a:pPr>
-              <a:t>04/05/19</a:t>
+              <a:t>17/05/19</a:t>
             </a:fld>
             <a:endParaRPr lang="en-US"/>
           </a:p>
@@ -5256,7 +5255,7 @@
             <a:graphicData uri="http://schemas.openxmlformats.org/presentationml/2006/ole">
               <mc:AlternateContent xmlns:mc="http://schemas.openxmlformats.org/markup-compatibility/2006">
                 <mc:Choice xmlns:v="urn:schemas-microsoft-com:vml" Requires="v">
-                  <p:oleObj spid="_x0000_s1248" name="Equation" r:id="rId3" imgW="672840" imgH="406080" progId="Equation.DSMT4">
+                  <p:oleObj spid="_x0000_s1254" name="Equation" r:id="rId3" imgW="672840" imgH="406080" progId="Equation.DSMT4">
                     <p:embed/>
                   </p:oleObj>
                 </mc:Choice>
@@ -5407,7 +5406,7 @@
             <a:graphicData uri="http://schemas.openxmlformats.org/presentationml/2006/ole">
               <mc:AlternateContent xmlns:mc="http://schemas.openxmlformats.org/markup-compatibility/2006">
                 <mc:Choice xmlns:v="urn:schemas-microsoft-com:vml" Requires="v">
-                  <p:oleObj spid="_x0000_s1249" name="Equation" r:id="rId5" imgW="152280" imgH="139680" progId="Equation.DSMT4">
+                  <p:oleObj spid="_x0000_s1255" name="Equation" r:id="rId5" imgW="152280" imgH="139680" progId="Equation.DSMT4">
                     <p:embed/>
                   </p:oleObj>
                 </mc:Choice>
@@ -7864,7 +7863,7 @@
             <a:graphicData uri="http://schemas.openxmlformats.org/presentationml/2006/ole">
               <mc:AlternateContent xmlns:mc="http://schemas.openxmlformats.org/markup-compatibility/2006">
                 <mc:Choice xmlns:v="urn:schemas-microsoft-com:vml" Requires="v">
-                  <p:oleObj spid="_x0000_s1250" name="Equation" r:id="rId7" imgW="152280" imgH="228600" progId="Equation.DSMT4">
+                  <p:oleObj spid="_x0000_s1256" name="Equation" r:id="rId7" imgW="152280" imgH="228600" progId="Equation.DSMT4">
                     <p:embed/>
                   </p:oleObj>
                 </mc:Choice>
@@ -8685,7 +8684,7 @@
             <a:graphicData uri="http://schemas.openxmlformats.org/presentationml/2006/ole">
               <mc:AlternateContent xmlns:mc="http://schemas.openxmlformats.org/markup-compatibility/2006">
                 <mc:Choice xmlns:v="urn:schemas-microsoft-com:vml" Requires="v">
-                  <p:oleObj spid="_x0000_s1251" name="Equation" r:id="rId9" imgW="1168200" imgH="304560" progId="Equation.DSMT4">
+                  <p:oleObj spid="_x0000_s1257" name="Equation" r:id="rId9" imgW="1168200" imgH="304560" progId="Equation.DSMT4">
                     <p:embed/>
                   </p:oleObj>
                 </mc:Choice>
@@ -8909,7 +8908,7 @@
                 <a:graphicData uri="http://schemas.openxmlformats.org/presentationml/2006/ole">
                   <mc:AlternateContent xmlns:mc="http://schemas.openxmlformats.org/markup-compatibility/2006">
                     <mc:Choice xmlns:v="urn:schemas-microsoft-com:vml" Requires="v">
-                      <p:oleObj spid="_x0000_s1252" name="Equation" r:id="rId11" imgW="914400" imgH="482400" progId="Equation.DSMT4">
+                      <p:oleObj spid="_x0000_s1258" name="Equation" r:id="rId11" imgW="914400" imgH="482400" progId="Equation.DSMT4">
                         <p:embed/>
                       </p:oleObj>
                     </mc:Choice>
@@ -11199,1705 +11198,6 @@
 </p:sld>
 </file>
 
-<file path=ppt/slides/slide6.xml><?xml version="1.0" encoding="utf-8"?>
-<p:sld xmlns:a="http://schemas.openxmlformats.org/drawingml/2006/main" xmlns:r="http://schemas.openxmlformats.org/officeDocument/2006/relationships" xmlns:p="http://schemas.openxmlformats.org/presentationml/2006/main">
-  <p:cSld>
-    <p:spTree>
-      <p:nvGrpSpPr>
-        <p:cNvPr id="1" name=""/>
-        <p:cNvGrpSpPr/>
-        <p:nvPr/>
-      </p:nvGrpSpPr>
-      <p:grpSpPr>
-        <a:xfrm>
-          <a:off x="0" y="0"/>
-          <a:ext cx="0" cy="0"/>
-          <a:chOff x="0" y="0"/>
-          <a:chExt cx="0" cy="0"/>
-        </a:xfrm>
-      </p:grpSpPr>
-      <p:pic>
-        <p:nvPicPr>
-          <p:cNvPr id="29698" name="Picture 3" descr="D:\Dropbox\Projects\ISN\figures\mirrorx_fig_1.jpg"/>
-          <p:cNvPicPr>
-            <a:picLocks noChangeAspect="1" noChangeArrowheads="1"/>
-          </p:cNvPicPr>
-          <p:nvPr/>
-        </p:nvPicPr>
-        <p:blipFill>
-          <a:blip r:embed="rId2">
-            <a:extLst>
-              <a:ext uri="{28A0092B-C50C-407E-A947-70E740481C1C}">
-                <a14:useLocalDpi xmlns:a14="http://schemas.microsoft.com/office/drawing/2010/main" val="0"/>
-              </a:ext>
-            </a:extLst>
-          </a:blip>
-          <a:srcRect/>
-          <a:stretch>
-            <a:fillRect/>
-          </a:stretch>
-        </p:blipFill>
-        <p:spPr bwMode="auto">
-          <a:xfrm>
-            <a:off x="4502150" y="1611313"/>
-            <a:ext cx="1974850" cy="1143000"/>
-          </a:xfrm>
-          <a:prstGeom prst="rect">
-            <a:avLst/>
-          </a:prstGeom>
-          <a:noFill/>
-          <a:ln>
-            <a:noFill/>
-          </a:ln>
-          <a:extLst>
-            <a:ext uri="{909E8E84-426E-40dd-AFC4-6F175D3DCCD1}">
-              <a14:hiddenFill xmlns:a14="http://schemas.microsoft.com/office/drawing/2010/main">
-                <a:solidFill>
-                  <a:srgbClr val="FFFFFF"/>
-                </a:solidFill>
-              </a14:hiddenFill>
-            </a:ext>
-            <a:ext uri="{91240B29-F687-4f45-9708-019B960494DF}">
-              <a14:hiddenLine xmlns:a14="http://schemas.microsoft.com/office/drawing/2010/main" w="9525">
-                <a:solidFill>
-                  <a:srgbClr val="000000"/>
-                </a:solidFill>
-                <a:miter lim="800000"/>
-                <a:headEnd/>
-                <a:tailEnd/>
-              </a14:hiddenLine>
-            </a:ext>
-          </a:extLst>
-        </p:spPr>
-      </p:pic>
-      <p:pic>
-        <p:nvPicPr>
-          <p:cNvPr id="29699" name="Picture 2" descr="D:\Dropbox\Projects\ISN\figures\mirrory_fig_1.jpg"/>
-          <p:cNvPicPr>
-            <a:picLocks noChangeAspect="1" noChangeArrowheads="1"/>
-          </p:cNvPicPr>
-          <p:nvPr/>
-        </p:nvPicPr>
-        <p:blipFill>
-          <a:blip r:embed="rId3">
-            <a:extLst>
-              <a:ext uri="{28A0092B-C50C-407E-A947-70E740481C1C}">
-                <a14:useLocalDpi xmlns:a14="http://schemas.microsoft.com/office/drawing/2010/main" val="0"/>
-              </a:ext>
-            </a:extLst>
-          </a:blip>
-          <a:srcRect/>
-          <a:stretch>
-            <a:fillRect/>
-          </a:stretch>
-        </p:blipFill>
-        <p:spPr bwMode="auto">
-          <a:xfrm>
-            <a:off x="6934200" y="1611313"/>
-            <a:ext cx="1974850" cy="1143000"/>
-          </a:xfrm>
-          <a:prstGeom prst="rect">
-            <a:avLst/>
-          </a:prstGeom>
-          <a:noFill/>
-          <a:ln>
-            <a:noFill/>
-          </a:ln>
-          <a:extLst>
-            <a:ext uri="{909E8E84-426E-40dd-AFC4-6F175D3DCCD1}">
-              <a14:hiddenFill xmlns:a14="http://schemas.microsoft.com/office/drawing/2010/main">
-                <a:solidFill>
-                  <a:srgbClr val="FFFFFF"/>
-                </a:solidFill>
-              </a14:hiddenFill>
-            </a:ext>
-            <a:ext uri="{91240B29-F687-4f45-9708-019B960494DF}">
-              <a14:hiddenLine xmlns:a14="http://schemas.microsoft.com/office/drawing/2010/main" w="9525">
-                <a:solidFill>
-                  <a:srgbClr val="000000"/>
-                </a:solidFill>
-                <a:miter lim="800000"/>
-                <a:headEnd/>
-                <a:tailEnd/>
-              </a14:hiddenLine>
-            </a:ext>
-          </a:extLst>
-        </p:spPr>
-      </p:pic>
-      <p:pic>
-        <p:nvPicPr>
-          <p:cNvPr id="29700" name="Picture 7" descr="D:\Dropbox\Projects\SRW_SHADOW_test\figures\conv_no_fig.jpg"/>
-          <p:cNvPicPr>
-            <a:picLocks noChangeAspect="1" noChangeArrowheads="1"/>
-          </p:cNvPicPr>
-          <p:nvPr/>
-        </p:nvPicPr>
-        <p:blipFill>
-          <a:blip r:embed="rId4">
-            <a:extLst>
-              <a:ext uri="{28A0092B-C50C-407E-A947-70E740481C1C}">
-                <a14:useLocalDpi xmlns:a14="http://schemas.microsoft.com/office/drawing/2010/main" val="0"/>
-              </a:ext>
-            </a:extLst>
-          </a:blip>
-          <a:srcRect t="12585"/>
-          <a:stretch>
-            <a:fillRect/>
-          </a:stretch>
-        </p:blipFill>
-        <p:spPr bwMode="auto">
-          <a:xfrm>
-            <a:off x="228600" y="3956050"/>
-            <a:ext cx="2425700" cy="2286000"/>
-          </a:xfrm>
-          <a:prstGeom prst="rect">
-            <a:avLst/>
-          </a:prstGeom>
-          <a:noFill/>
-          <a:ln>
-            <a:noFill/>
-          </a:ln>
-          <a:extLst>
-            <a:ext uri="{909E8E84-426E-40dd-AFC4-6F175D3DCCD1}">
-              <a14:hiddenFill xmlns:a14="http://schemas.microsoft.com/office/drawing/2010/main">
-                <a:solidFill>
-                  <a:srgbClr val="FFFFFF"/>
-                </a:solidFill>
-              </a14:hiddenFill>
-            </a:ext>
-            <a:ext uri="{91240B29-F687-4f45-9708-019B960494DF}">
-              <a14:hiddenLine xmlns:a14="http://schemas.microsoft.com/office/drawing/2010/main" w="9525">
-                <a:solidFill>
-                  <a:srgbClr val="000000"/>
-                </a:solidFill>
-                <a:miter lim="800000"/>
-                <a:headEnd/>
-                <a:tailEnd/>
-              </a14:hiddenLine>
-            </a:ext>
-          </a:extLst>
-        </p:spPr>
-      </p:pic>
-      <p:sp>
-        <p:nvSpPr>
-          <p:cNvPr id="8" name="Down Arrow 7"/>
-          <p:cNvSpPr/>
-          <p:nvPr/>
-        </p:nvSpPr>
-        <p:spPr bwMode="auto">
-          <a:xfrm>
-            <a:off x="914400" y="3675063"/>
-            <a:ext cx="457200" cy="304800"/>
-          </a:xfrm>
-          <a:prstGeom prst="downArrow">
-            <a:avLst>
-              <a:gd name="adj1" fmla="val 35543"/>
-              <a:gd name="adj2" fmla="val 50000"/>
-            </a:avLst>
-          </a:prstGeom>
-          <a:solidFill>
-            <a:srgbClr val="00B0F0"/>
-          </a:solidFill>
-          <a:ln>
-            <a:noFill/>
-            <a:headEnd type="none" w="med" len="med"/>
-            <a:tailEnd type="none" w="med" len="med"/>
-          </a:ln>
-          <a:effectLst>
-            <a:outerShdw blurRad="50800" dist="38100" dir="2700000" algn="tl" rotWithShape="0">
-              <a:prstClr val="black">
-                <a:alpha val="40000"/>
-              </a:prstClr>
-            </a:outerShdw>
-          </a:effectLst>
-        </p:spPr>
-        <p:style>
-          <a:lnRef idx="1">
-            <a:schemeClr val="accent1"/>
-          </a:lnRef>
-          <a:fillRef idx="2">
-            <a:schemeClr val="accent1"/>
-          </a:fillRef>
-          <a:effectRef idx="1">
-            <a:schemeClr val="accent1"/>
-          </a:effectRef>
-          <a:fontRef idx="minor">
-            <a:schemeClr val="dk1"/>
-          </a:fontRef>
-        </p:style>
-        <p:txBody>
-          <a:bodyPr/>
-          <a:lstStyle/>
-          <a:p>
-            <a:pPr defTabSz="914400">
-              <a:defRPr/>
-            </a:pPr>
-            <a:endParaRPr lang="en-US">
-              <a:solidFill>
-                <a:schemeClr val="tx1"/>
-              </a:solidFill>
-            </a:endParaRPr>
-          </a:p>
-        </p:txBody>
-      </p:sp>
-      <p:sp>
-        <p:nvSpPr>
-          <p:cNvPr id="2" name="Title 1"/>
-          <p:cNvSpPr>
-            <a:spLocks noGrp="1"/>
-          </p:cNvSpPr>
-          <p:nvPr>
-            <p:ph type="title"/>
-          </p:nvPr>
-        </p:nvSpPr>
-        <p:spPr>
-          <a:xfrm>
-            <a:off x="180975" y="152400"/>
-            <a:ext cx="8789988" cy="715963"/>
-          </a:xfrm>
-        </p:spPr>
-        <p:txBody>
-          <a:bodyPr>
-            <a:normAutofit fontScale="90000"/>
-          </a:bodyPr>
-          <a:lstStyle/>
-          <a:p>
-            <a:pPr>
-              <a:defRPr/>
-            </a:pPr>
-            <a:r>
-              <a:rPr lang="en-US" sz="2800" dirty="0" smtClean="0">
-                <a:solidFill>
-                  <a:srgbClr val="0000FF"/>
-                </a:solidFill>
-              </a:rPr>
-              <a:t>HYBRID METHOD IN SHADOW (X. Shi </a:t>
-            </a:r>
-            <a:r>
-              <a:rPr lang="en-US" sz="2800" i="1" dirty="0" smtClean="0">
-                <a:solidFill>
-                  <a:srgbClr val="0000FF"/>
-                </a:solidFill>
-              </a:rPr>
-              <a:t>et al.</a:t>
-            </a:r>
-            <a:r>
-              <a:rPr lang="en-US" sz="2800" dirty="0" smtClean="0">
-                <a:solidFill>
-                  <a:srgbClr val="0000FF"/>
-                </a:solidFill>
-              </a:rPr>
-              <a:t>)</a:t>
-            </a:r>
-            <a:r>
-              <a:rPr lang="en-US" sz="2800" dirty="0" smtClean="0"/>
-              <a:t/>
-            </a:r>
-            <a:br>
-              <a:rPr lang="en-US" sz="2800" dirty="0" smtClean="0"/>
-            </a:br>
-            <a:r>
-              <a:rPr lang="en-US" sz="2800" dirty="0" smtClean="0"/>
-              <a:t>Combining ray tracing and </a:t>
-            </a:r>
-            <a:r>
-              <a:rPr lang="en-US" sz="2800" dirty="0" err="1" smtClean="0"/>
-              <a:t>wavefront</a:t>
-            </a:r>
-            <a:r>
-              <a:rPr lang="en-US" sz="2800" dirty="0" smtClean="0"/>
-              <a:t> propagation</a:t>
-            </a:r>
-            <a:endParaRPr lang="en-US" sz="2800" dirty="0"/>
-          </a:p>
-        </p:txBody>
-      </p:sp>
-      <p:sp>
-        <p:nvSpPr>
-          <p:cNvPr id="3" name="Content Placeholder 2"/>
-          <p:cNvSpPr>
-            <a:spLocks noGrp="1"/>
-          </p:cNvSpPr>
-          <p:nvPr>
-            <p:ph idx="1"/>
-          </p:nvPr>
-        </p:nvSpPr>
-        <p:spPr>
-          <a:xfrm>
-            <a:off x="304800" y="3065463"/>
-            <a:ext cx="1676400" cy="601662"/>
-          </a:xfrm>
-        </p:spPr>
-        <p:style>
-          <a:lnRef idx="1">
-            <a:schemeClr val="accent1"/>
-          </a:lnRef>
-          <a:fillRef idx="2">
-            <a:schemeClr val="accent1"/>
-          </a:fillRef>
-          <a:effectRef idx="1">
-            <a:schemeClr val="accent1"/>
-          </a:effectRef>
-          <a:fontRef idx="minor">
-            <a:schemeClr val="dk1"/>
-          </a:fontRef>
-        </p:style>
-        <p:txBody>
-          <a:bodyPr/>
-          <a:lstStyle/>
-          <a:p>
-            <a:pPr marL="0" indent="0" algn="ctr">
-              <a:spcBef>
-                <a:spcPts val="0"/>
-              </a:spcBef>
-              <a:spcAft>
-                <a:spcPts val="600"/>
-              </a:spcAft>
-              <a:buFont typeface="Arial" panose="020B0604020202020204" pitchFamily="34" charset="0"/>
-              <a:buNone/>
-              <a:defRPr/>
-            </a:pPr>
-            <a:r>
-              <a:rPr lang="en-US" sz="1600" dirty="0" smtClean="0">
-                <a:solidFill>
-                  <a:schemeClr val="bg2">
-                    <a:lumMod val="10000"/>
-                  </a:schemeClr>
-                </a:solidFill>
-                <a:latin typeface="Times New Roman" pitchFamily="18" charset="0"/>
-                <a:cs typeface="Times New Roman" pitchFamily="18" charset="0"/>
-              </a:rPr>
-              <a:t>Ray tracing of the </a:t>
-            </a:r>
-            <a:r>
-              <a:rPr lang="en-US" sz="1600" dirty="0" err="1" smtClean="0">
-                <a:solidFill>
-                  <a:schemeClr val="bg2">
-                    <a:lumMod val="10000"/>
-                  </a:schemeClr>
-                </a:solidFill>
-                <a:latin typeface="Times New Roman" pitchFamily="18" charset="0"/>
-                <a:cs typeface="Times New Roman" pitchFamily="18" charset="0"/>
-              </a:rPr>
-              <a:t>beamline</a:t>
-            </a:r>
-            <a:endParaRPr lang="en-US" sz="1400" dirty="0" smtClean="0">
-              <a:solidFill>
-                <a:schemeClr val="bg2">
-                  <a:lumMod val="10000"/>
-                </a:schemeClr>
-              </a:solidFill>
-              <a:latin typeface="Times New Roman" pitchFamily="18" charset="0"/>
-              <a:cs typeface="Times New Roman" pitchFamily="18" charset="0"/>
-            </a:endParaRPr>
-          </a:p>
-        </p:txBody>
-      </p:sp>
-      <p:pic>
-        <p:nvPicPr>
-          <p:cNvPr id="29704" name="Picture 5" descr="D:\Dropbox\Projects\SRW_SHADOW_test\figures\dif_x_y_fig.jpg"/>
-          <p:cNvPicPr>
-            <a:picLocks noChangeAspect="1" noChangeArrowheads="1"/>
-          </p:cNvPicPr>
-          <p:nvPr/>
-        </p:nvPicPr>
-        <p:blipFill>
-          <a:blip r:embed="rId5">
-            <a:extLst>
-              <a:ext uri="{28A0092B-C50C-407E-A947-70E740481C1C}">
-                <a14:useLocalDpi xmlns:a14="http://schemas.microsoft.com/office/drawing/2010/main" val="0"/>
-              </a:ext>
-            </a:extLst>
-          </a:blip>
-          <a:srcRect/>
-          <a:stretch>
-            <a:fillRect/>
-          </a:stretch>
-        </p:blipFill>
-        <p:spPr bwMode="auto">
-          <a:xfrm>
-            <a:off x="3505200" y="3984625"/>
-            <a:ext cx="2286000" cy="2230438"/>
-          </a:xfrm>
-          <a:prstGeom prst="rect">
-            <a:avLst/>
-          </a:prstGeom>
-          <a:noFill/>
-          <a:ln>
-            <a:noFill/>
-          </a:ln>
-          <a:extLst>
-            <a:ext uri="{909E8E84-426E-40dd-AFC4-6F175D3DCCD1}">
-              <a14:hiddenFill xmlns:a14="http://schemas.microsoft.com/office/drawing/2010/main">
-                <a:solidFill>
-                  <a:srgbClr val="FFFFFF"/>
-                </a:solidFill>
-              </a14:hiddenFill>
-            </a:ext>
-            <a:ext uri="{91240B29-F687-4f45-9708-019B960494DF}">
-              <a14:hiddenLine xmlns:a14="http://schemas.microsoft.com/office/drawing/2010/main" w="9525">
-                <a:solidFill>
-                  <a:srgbClr val="000000"/>
-                </a:solidFill>
-                <a:miter lim="800000"/>
-                <a:headEnd/>
-                <a:tailEnd/>
-              </a14:hiddenLine>
-            </a:ext>
-          </a:extLst>
-        </p:spPr>
-      </p:pic>
-      <p:pic>
-        <p:nvPicPr>
-          <p:cNvPr id="29705" name="Picture 6" descr="D:\Dropbox\Projects\SRW_SHADOW_test\figures\conv_4nm_fig.jpg"/>
-          <p:cNvPicPr>
-            <a:picLocks noChangeAspect="1" noChangeArrowheads="1"/>
-          </p:cNvPicPr>
-          <p:nvPr/>
-        </p:nvPicPr>
-        <p:blipFill>
-          <a:blip r:embed="rId6">
-            <a:extLst>
-              <a:ext uri="{28A0092B-C50C-407E-A947-70E740481C1C}">
-                <a14:useLocalDpi xmlns:a14="http://schemas.microsoft.com/office/drawing/2010/main" val="0"/>
-              </a:ext>
-            </a:extLst>
-          </a:blip>
-          <a:srcRect t="12491"/>
-          <a:stretch>
-            <a:fillRect/>
-          </a:stretch>
-        </p:blipFill>
-        <p:spPr bwMode="auto">
-          <a:xfrm>
-            <a:off x="6477000" y="3979863"/>
-            <a:ext cx="2447925" cy="2286000"/>
-          </a:xfrm>
-          <a:prstGeom prst="rect">
-            <a:avLst/>
-          </a:prstGeom>
-          <a:noFill/>
-          <a:ln>
-            <a:noFill/>
-          </a:ln>
-          <a:extLst>
-            <a:ext uri="{909E8E84-426E-40dd-AFC4-6F175D3DCCD1}">
-              <a14:hiddenFill xmlns:a14="http://schemas.microsoft.com/office/drawing/2010/main">
-                <a:solidFill>
-                  <a:srgbClr val="FFFFFF"/>
-                </a:solidFill>
-              </a14:hiddenFill>
-            </a:ext>
-            <a:ext uri="{91240B29-F687-4f45-9708-019B960494DF}">
-              <a14:hiddenLine xmlns:a14="http://schemas.microsoft.com/office/drawing/2010/main" w="9525">
-                <a:solidFill>
-                  <a:srgbClr val="000000"/>
-                </a:solidFill>
-                <a:miter lim="800000"/>
-                <a:headEnd/>
-                <a:tailEnd/>
-              </a14:hiddenLine>
-            </a:ext>
-          </a:extLst>
-        </p:spPr>
-      </p:pic>
-      <p:sp>
-        <p:nvSpPr>
-          <p:cNvPr id="10" name="TextBox 9"/>
-          <p:cNvSpPr txBox="1">
-            <a:spLocks noRot="1" noChangeAspect="1" noMove="1" noResize="1" noEditPoints="1" noAdjustHandles="1" noChangeArrowheads="1" noChangeShapeType="1" noTextEdit="1"/>
-          </p:cNvSpPr>
-          <p:nvPr/>
-        </p:nvSpPr>
-        <p:spPr>
-          <a:xfrm>
-            <a:off x="2743200" y="4724400"/>
-            <a:ext cx="656065" cy="461665"/>
-          </a:xfrm>
-          <a:prstGeom prst="rect">
-            <a:avLst/>
-          </a:prstGeom>
-          <a:blipFill rotWithShape="1">
-            <a:blip r:embed="rId7" cstate="print"/>
-            <a:stretch>
-              <a:fillRect b="-10526"/>
-            </a:stretch>
-          </a:blipFill>
-        </p:spPr>
-        <p:txBody>
-          <a:bodyPr/>
-          <a:lstStyle/>
-          <a:p>
-            <a:pPr>
-              <a:defRPr/>
-            </a:pPr>
-            <a:r>
-              <a:rPr lang="en-US">
-                <a:noFill/>
-              </a:rPr>
-              <a:t> </a:t>
-            </a:r>
-          </a:p>
-        </p:txBody>
-      </p:sp>
-      <p:sp>
-        <p:nvSpPr>
-          <p:cNvPr id="18" name="TextBox 17"/>
-          <p:cNvSpPr txBox="1">
-            <a:spLocks noRot="1" noChangeAspect="1" noMove="1" noResize="1" noEditPoints="1" noAdjustHandles="1" noChangeArrowheads="1" noChangeShapeType="1" noTextEdit="1"/>
-          </p:cNvSpPr>
-          <p:nvPr/>
-        </p:nvSpPr>
-        <p:spPr>
-          <a:xfrm>
-            <a:off x="5820935" y="4724400"/>
-            <a:ext cx="656065" cy="461665"/>
-          </a:xfrm>
-          <a:prstGeom prst="rect">
-            <a:avLst/>
-          </a:prstGeom>
-          <a:blipFill rotWithShape="1">
-            <a:blip r:embed="rId8" cstate="print"/>
-            <a:stretch>
-              <a:fillRect/>
-            </a:stretch>
-          </a:blipFill>
-        </p:spPr>
-        <p:txBody>
-          <a:bodyPr/>
-          <a:lstStyle/>
-          <a:p>
-            <a:pPr>
-              <a:defRPr/>
-            </a:pPr>
-            <a:r>
-              <a:rPr lang="en-US">
-                <a:noFill/>
-              </a:rPr>
-              <a:t> </a:t>
-            </a:r>
-          </a:p>
-        </p:txBody>
-      </p:sp>
-      <p:sp>
-        <p:nvSpPr>
-          <p:cNvPr id="7" name="TextBox 6"/>
-          <p:cNvSpPr txBox="1">
-            <a:spLocks noRot="1" noChangeAspect="1" noMove="1" noResize="1" noEditPoints="1" noAdjustHandles="1" noChangeArrowheads="1" noChangeShapeType="1" noTextEdit="1"/>
-          </p:cNvSpPr>
-          <p:nvPr/>
-        </p:nvSpPr>
-        <p:spPr>
-          <a:xfrm>
-            <a:off x="2209800" y="2913870"/>
-            <a:ext cx="6705600" cy="743730"/>
-          </a:xfrm>
-          <a:prstGeom prst="rect">
-            <a:avLst/>
-          </a:prstGeom>
-          <a:blipFill rotWithShape="1">
-            <a:blip r:embed="rId9" cstate="print"/>
-            <a:stretch>
-              <a:fillRect/>
-            </a:stretch>
-          </a:blipFill>
-        </p:spPr>
-        <p:txBody>
-          <a:bodyPr/>
-          <a:lstStyle/>
-          <a:p>
-            <a:pPr>
-              <a:defRPr/>
-            </a:pPr>
-            <a:r>
-              <a:rPr lang="en-US">
-                <a:noFill/>
-              </a:rPr>
-              <a:t> </a:t>
-            </a:r>
-          </a:p>
-        </p:txBody>
-      </p:sp>
-      <p:sp>
-        <p:nvSpPr>
-          <p:cNvPr id="12" name="TextBox 11"/>
-          <p:cNvSpPr txBox="1">
-            <a:spLocks noRot="1" noChangeAspect="1" noMove="1" noResize="1" noEditPoints="1" noAdjustHandles="1" noChangeArrowheads="1" noChangeShapeType="1" noTextEdit="1"/>
-          </p:cNvSpPr>
-          <p:nvPr/>
-        </p:nvSpPr>
-        <p:spPr>
-          <a:xfrm>
-            <a:off x="313656" y="949637"/>
-            <a:ext cx="8610600" cy="650563"/>
-          </a:xfrm>
-          <a:prstGeom prst="rect">
-            <a:avLst/>
-          </a:prstGeom>
-          <a:blipFill rotWithShape="1">
-            <a:blip r:embed="rId10" cstate="print"/>
-            <a:stretch>
-              <a:fillRect/>
-            </a:stretch>
-          </a:blipFill>
-          <a:ln/>
-        </p:spPr>
-        <p:txBody>
-          <a:bodyPr/>
-          <a:lstStyle/>
-          <a:p>
-            <a:pPr>
-              <a:defRPr/>
-            </a:pPr>
-            <a:r>
-              <a:rPr lang="en-US">
-                <a:noFill/>
-              </a:rPr>
-              <a:t> </a:t>
-            </a:r>
-          </a:p>
-        </p:txBody>
-      </p:sp>
-      <p:sp>
-        <p:nvSpPr>
-          <p:cNvPr id="29710" name="Up Arrow 15"/>
-          <p:cNvSpPr>
-            <a:spLocks noChangeArrowheads="1"/>
-          </p:cNvSpPr>
-          <p:nvPr/>
-        </p:nvSpPr>
-        <p:spPr bwMode="auto">
-          <a:xfrm>
-            <a:off x="5432425" y="1414463"/>
-            <a:ext cx="282575" cy="279400"/>
-          </a:xfrm>
-          <a:prstGeom prst="upArrow">
-            <a:avLst>
-              <a:gd name="adj1" fmla="val 36944"/>
-              <a:gd name="adj2" fmla="val 56144"/>
-            </a:avLst>
-          </a:prstGeom>
-          <a:solidFill>
-            <a:schemeClr val="bg1"/>
-          </a:solidFill>
-          <a:ln w="12700" algn="ctr">
-            <a:solidFill>
-              <a:srgbClr val="00B0F0"/>
-            </a:solidFill>
-            <a:round/>
-            <a:headEnd/>
-            <a:tailEnd/>
-          </a:ln>
-        </p:spPr>
-        <p:txBody>
-          <a:bodyPr/>
-          <a:lstStyle>
-            <a:lvl1pPr eaLnBrk="0" hangingPunct="0">
-              <a:defRPr>
-                <a:solidFill>
-                  <a:schemeClr val="tx1"/>
-                </a:solidFill>
-                <a:latin typeface="Arial" panose="020B0604020202020204" pitchFamily="34" charset="0"/>
-                <a:ea typeface="ＭＳ Ｐゴシック" panose="020B0600070205080204" pitchFamily="34" charset="-128"/>
-              </a:defRPr>
-            </a:lvl1pPr>
-            <a:lvl2pPr marL="742950" indent="-285750" eaLnBrk="0" hangingPunct="0">
-              <a:defRPr>
-                <a:solidFill>
-                  <a:schemeClr val="tx1"/>
-                </a:solidFill>
-                <a:latin typeface="Arial" panose="020B0604020202020204" pitchFamily="34" charset="0"/>
-                <a:ea typeface="ＭＳ Ｐゴシック" panose="020B0600070205080204" pitchFamily="34" charset="-128"/>
-              </a:defRPr>
-            </a:lvl2pPr>
-            <a:lvl3pPr marL="1143000" indent="-228600" eaLnBrk="0" hangingPunct="0">
-              <a:defRPr>
-                <a:solidFill>
-                  <a:schemeClr val="tx1"/>
-                </a:solidFill>
-                <a:latin typeface="Arial" panose="020B0604020202020204" pitchFamily="34" charset="0"/>
-                <a:ea typeface="ＭＳ Ｐゴシック" panose="020B0600070205080204" pitchFamily="34" charset="-128"/>
-              </a:defRPr>
-            </a:lvl3pPr>
-            <a:lvl4pPr marL="1600200" indent="-228600" eaLnBrk="0" hangingPunct="0">
-              <a:defRPr>
-                <a:solidFill>
-                  <a:schemeClr val="tx1"/>
-                </a:solidFill>
-                <a:latin typeface="Arial" panose="020B0604020202020204" pitchFamily="34" charset="0"/>
-                <a:ea typeface="ＭＳ Ｐゴシック" panose="020B0600070205080204" pitchFamily="34" charset="-128"/>
-              </a:defRPr>
-            </a:lvl4pPr>
-            <a:lvl5pPr marL="2057400" indent="-228600" eaLnBrk="0" hangingPunct="0">
-              <a:defRPr>
-                <a:solidFill>
-                  <a:schemeClr val="tx1"/>
-                </a:solidFill>
-                <a:latin typeface="Arial" panose="020B0604020202020204" pitchFamily="34" charset="0"/>
-                <a:ea typeface="ＭＳ Ｐゴシック" panose="020B0600070205080204" pitchFamily="34" charset="-128"/>
-              </a:defRPr>
-            </a:lvl5pPr>
-            <a:lvl6pPr marL="2514600" indent="-228600" eaLnBrk="0" fontAlgn="base" hangingPunct="0">
-              <a:spcBef>
-                <a:spcPct val="0"/>
-              </a:spcBef>
-              <a:spcAft>
-                <a:spcPct val="0"/>
-              </a:spcAft>
-              <a:defRPr>
-                <a:solidFill>
-                  <a:schemeClr val="tx1"/>
-                </a:solidFill>
-                <a:latin typeface="Arial" panose="020B0604020202020204" pitchFamily="34" charset="0"/>
-                <a:ea typeface="ＭＳ Ｐゴシック" panose="020B0600070205080204" pitchFamily="34" charset="-128"/>
-              </a:defRPr>
-            </a:lvl6pPr>
-            <a:lvl7pPr marL="2971800" indent="-228600" eaLnBrk="0" fontAlgn="base" hangingPunct="0">
-              <a:spcBef>
-                <a:spcPct val="0"/>
-              </a:spcBef>
-              <a:spcAft>
-                <a:spcPct val="0"/>
-              </a:spcAft>
-              <a:defRPr>
-                <a:solidFill>
-                  <a:schemeClr val="tx1"/>
-                </a:solidFill>
-                <a:latin typeface="Arial" panose="020B0604020202020204" pitchFamily="34" charset="0"/>
-                <a:ea typeface="ＭＳ Ｐゴシック" panose="020B0600070205080204" pitchFamily="34" charset="-128"/>
-              </a:defRPr>
-            </a:lvl7pPr>
-            <a:lvl8pPr marL="3429000" indent="-228600" eaLnBrk="0" fontAlgn="base" hangingPunct="0">
-              <a:spcBef>
-                <a:spcPct val="0"/>
-              </a:spcBef>
-              <a:spcAft>
-                <a:spcPct val="0"/>
-              </a:spcAft>
-              <a:defRPr>
-                <a:solidFill>
-                  <a:schemeClr val="tx1"/>
-                </a:solidFill>
-                <a:latin typeface="Arial" panose="020B0604020202020204" pitchFamily="34" charset="0"/>
-                <a:ea typeface="ＭＳ Ｐゴシック" panose="020B0600070205080204" pitchFamily="34" charset="-128"/>
-              </a:defRPr>
-            </a:lvl8pPr>
-            <a:lvl9pPr marL="3886200" indent="-228600" eaLnBrk="0" fontAlgn="base" hangingPunct="0">
-              <a:spcBef>
-                <a:spcPct val="0"/>
-              </a:spcBef>
-              <a:spcAft>
-                <a:spcPct val="0"/>
-              </a:spcAft>
-              <a:defRPr>
-                <a:solidFill>
-                  <a:schemeClr val="tx1"/>
-                </a:solidFill>
-                <a:latin typeface="Arial" panose="020B0604020202020204" pitchFamily="34" charset="0"/>
-                <a:ea typeface="ＭＳ Ｐゴシック" panose="020B0600070205080204" pitchFamily="34" charset="-128"/>
-              </a:defRPr>
-            </a:lvl9pPr>
-          </a:lstStyle>
-          <a:p>
-            <a:pPr defTabSz="914400" eaLnBrk="1" hangingPunct="1"/>
-            <a:endParaRPr lang="en-US" altLang="en-US">
-              <a:latin typeface="Calibri" panose="020F0502020204030204" pitchFamily="34" charset="0"/>
-            </a:endParaRPr>
-          </a:p>
-        </p:txBody>
-      </p:sp>
-      <p:sp>
-        <p:nvSpPr>
-          <p:cNvPr id="9" name="TextBox 8"/>
-          <p:cNvSpPr txBox="1"/>
-          <p:nvPr/>
-        </p:nvSpPr>
-        <p:spPr>
-          <a:xfrm>
-            <a:off x="2057400" y="1693863"/>
-            <a:ext cx="1874838" cy="584200"/>
-          </a:xfrm>
-          <a:prstGeom prst="rect">
-            <a:avLst/>
-          </a:prstGeom>
-        </p:spPr>
-        <p:style>
-          <a:lnRef idx="1">
-            <a:schemeClr val="accent1"/>
-          </a:lnRef>
-          <a:fillRef idx="2">
-            <a:schemeClr val="accent1"/>
-          </a:fillRef>
-          <a:effectRef idx="1">
-            <a:schemeClr val="accent1"/>
-          </a:effectRef>
-          <a:fontRef idx="minor">
-            <a:schemeClr val="dk1"/>
-          </a:fontRef>
-        </p:style>
-        <p:txBody>
-          <a:bodyPr>
-            <a:spAutoFit/>
-          </a:bodyPr>
-          <a:lstStyle/>
-          <a:p>
-            <a:pPr>
-              <a:defRPr/>
-            </a:pPr>
-            <a:r>
-              <a:rPr lang="en-US" sz="1600" dirty="0">
-                <a:solidFill>
-                  <a:schemeClr val="bg2">
-                    <a:lumMod val="10000"/>
-                  </a:schemeClr>
-                </a:solidFill>
-                <a:latin typeface="Times New Roman" pitchFamily="18" charset="0"/>
-                <a:cs typeface="Times New Roman" pitchFamily="18" charset="0"/>
-              </a:rPr>
-              <a:t>Ideal lens with focal lengths of </a:t>
-            </a:r>
-            <a:r>
-              <a:rPr lang="en-US" sz="1600" i="1" dirty="0" err="1">
-                <a:solidFill>
-                  <a:schemeClr val="bg2">
-                    <a:lumMod val="10000"/>
-                  </a:schemeClr>
-                </a:solidFill>
-                <a:latin typeface="Times New Roman" pitchFamily="18" charset="0"/>
-                <a:cs typeface="Times New Roman" pitchFamily="18" charset="0"/>
-              </a:rPr>
-              <a:t>f</a:t>
-            </a:r>
-            <a:r>
-              <a:rPr lang="en-US" sz="1600" i="1" baseline="-25000" dirty="0" err="1">
-                <a:solidFill>
-                  <a:schemeClr val="bg2">
-                    <a:lumMod val="10000"/>
-                  </a:schemeClr>
-                </a:solidFill>
-                <a:latin typeface="Times New Roman" pitchFamily="18" charset="0"/>
-                <a:cs typeface="Times New Roman" pitchFamily="18" charset="0"/>
-              </a:rPr>
-              <a:t>x</a:t>
-            </a:r>
-            <a:r>
-              <a:rPr lang="en-US" sz="1600" dirty="0">
-                <a:solidFill>
-                  <a:schemeClr val="bg2">
-                    <a:lumMod val="10000"/>
-                  </a:schemeClr>
-                </a:solidFill>
-                <a:latin typeface="Times New Roman" pitchFamily="18" charset="0"/>
-                <a:cs typeface="Times New Roman" pitchFamily="18" charset="0"/>
-              </a:rPr>
-              <a:t> and </a:t>
-            </a:r>
-            <a:r>
-              <a:rPr lang="en-US" sz="1600" i="1" dirty="0" err="1">
-                <a:solidFill>
-                  <a:schemeClr val="bg2">
-                    <a:lumMod val="10000"/>
-                  </a:schemeClr>
-                </a:solidFill>
-                <a:latin typeface="Times New Roman" pitchFamily="18" charset="0"/>
-                <a:cs typeface="Times New Roman" pitchFamily="18" charset="0"/>
-              </a:rPr>
-              <a:t>f</a:t>
-            </a:r>
-            <a:r>
-              <a:rPr lang="en-US" sz="1600" i="1" baseline="-25000" dirty="0" err="1">
-                <a:solidFill>
-                  <a:schemeClr val="bg2">
-                    <a:lumMod val="10000"/>
-                  </a:schemeClr>
-                </a:solidFill>
-                <a:latin typeface="Times New Roman" pitchFamily="18" charset="0"/>
-                <a:cs typeface="Times New Roman" pitchFamily="18" charset="0"/>
-              </a:rPr>
-              <a:t>z</a:t>
-            </a:r>
-            <a:endParaRPr lang="en-US" sz="1600" i="1" baseline="-25000" dirty="0">
-              <a:solidFill>
-                <a:schemeClr val="bg2">
-                  <a:lumMod val="10000"/>
-                </a:schemeClr>
-              </a:solidFill>
-              <a:latin typeface="Times New Roman" pitchFamily="18" charset="0"/>
-              <a:cs typeface="Times New Roman" pitchFamily="18" charset="0"/>
-            </a:endParaRPr>
-          </a:p>
-        </p:txBody>
-      </p:sp>
-      <p:sp>
-        <p:nvSpPr>
-          <p:cNvPr id="24" name="Bent-Up Arrow 23"/>
-          <p:cNvSpPr/>
-          <p:nvPr/>
-        </p:nvSpPr>
-        <p:spPr bwMode="auto">
-          <a:xfrm flipV="1">
-            <a:off x="1219200" y="2605088"/>
-            <a:ext cx="1524000" cy="536575"/>
-          </a:xfrm>
-          <a:prstGeom prst="bentUpArrow">
-            <a:avLst>
-              <a:gd name="adj1" fmla="val 22823"/>
-              <a:gd name="adj2" fmla="val 32059"/>
-              <a:gd name="adj3" fmla="val 27824"/>
-            </a:avLst>
-          </a:prstGeom>
-          <a:solidFill>
-            <a:srgbClr val="00B0F0"/>
-          </a:solidFill>
-          <a:ln>
-            <a:noFill/>
-            <a:headEnd type="none" w="med" len="med"/>
-            <a:tailEnd type="none" w="med" len="med"/>
-          </a:ln>
-          <a:effectLst/>
-        </p:spPr>
-        <p:style>
-          <a:lnRef idx="1">
-            <a:schemeClr val="accent1"/>
-          </a:lnRef>
-          <a:fillRef idx="2">
-            <a:schemeClr val="accent1"/>
-          </a:fillRef>
-          <a:effectRef idx="1">
-            <a:schemeClr val="accent1"/>
-          </a:effectRef>
-          <a:fontRef idx="minor">
-            <a:schemeClr val="dk1"/>
-          </a:fontRef>
-        </p:style>
-        <p:txBody>
-          <a:bodyPr/>
-          <a:lstStyle/>
-          <a:p>
-            <a:pPr defTabSz="914400">
-              <a:defRPr/>
-            </a:pPr>
-            <a:endParaRPr lang="en-US">
-              <a:solidFill>
-                <a:schemeClr val="tx1"/>
-              </a:solidFill>
-            </a:endParaRPr>
-          </a:p>
-        </p:txBody>
-      </p:sp>
-      <p:sp>
-        <p:nvSpPr>
-          <p:cNvPr id="29713" name="Rectangle 24"/>
-          <p:cNvSpPr>
-            <a:spLocks noChangeArrowheads="1"/>
-          </p:cNvSpPr>
-          <p:nvPr/>
-        </p:nvSpPr>
-        <p:spPr bwMode="auto">
-          <a:xfrm flipH="1">
-            <a:off x="1219200" y="1541463"/>
-            <a:ext cx="128588" cy="1063625"/>
-          </a:xfrm>
-          <a:prstGeom prst="rect">
-            <a:avLst/>
-          </a:prstGeom>
-          <a:solidFill>
-            <a:srgbClr val="00B0F0"/>
-          </a:solidFill>
-          <a:ln>
-            <a:noFill/>
-          </a:ln>
-          <a:extLst>
-            <a:ext uri="{91240B29-F687-4f45-9708-019B960494DF}">
-              <a14:hiddenLine xmlns:a14="http://schemas.microsoft.com/office/drawing/2010/main" w="9525" algn="ctr">
-                <a:solidFill>
-                  <a:srgbClr val="000000"/>
-                </a:solidFill>
-                <a:round/>
-                <a:headEnd/>
-                <a:tailEnd/>
-              </a14:hiddenLine>
-            </a:ext>
-          </a:extLst>
-        </p:spPr>
-        <p:txBody>
-          <a:bodyPr/>
-          <a:lstStyle>
-            <a:lvl1pPr eaLnBrk="0" hangingPunct="0">
-              <a:defRPr>
-                <a:solidFill>
-                  <a:schemeClr val="tx1"/>
-                </a:solidFill>
-                <a:latin typeface="Arial" panose="020B0604020202020204" pitchFamily="34" charset="0"/>
-                <a:ea typeface="ＭＳ Ｐゴシック" panose="020B0600070205080204" pitchFamily="34" charset="-128"/>
-              </a:defRPr>
-            </a:lvl1pPr>
-            <a:lvl2pPr marL="742950" indent="-285750" eaLnBrk="0" hangingPunct="0">
-              <a:defRPr>
-                <a:solidFill>
-                  <a:schemeClr val="tx1"/>
-                </a:solidFill>
-                <a:latin typeface="Arial" panose="020B0604020202020204" pitchFamily="34" charset="0"/>
-                <a:ea typeface="ＭＳ Ｐゴシック" panose="020B0600070205080204" pitchFamily="34" charset="-128"/>
-              </a:defRPr>
-            </a:lvl2pPr>
-            <a:lvl3pPr marL="1143000" indent="-228600" eaLnBrk="0" hangingPunct="0">
-              <a:defRPr>
-                <a:solidFill>
-                  <a:schemeClr val="tx1"/>
-                </a:solidFill>
-                <a:latin typeface="Arial" panose="020B0604020202020204" pitchFamily="34" charset="0"/>
-                <a:ea typeface="ＭＳ Ｐゴシック" panose="020B0600070205080204" pitchFamily="34" charset="-128"/>
-              </a:defRPr>
-            </a:lvl3pPr>
-            <a:lvl4pPr marL="1600200" indent="-228600" eaLnBrk="0" hangingPunct="0">
-              <a:defRPr>
-                <a:solidFill>
-                  <a:schemeClr val="tx1"/>
-                </a:solidFill>
-                <a:latin typeface="Arial" panose="020B0604020202020204" pitchFamily="34" charset="0"/>
-                <a:ea typeface="ＭＳ Ｐゴシック" panose="020B0600070205080204" pitchFamily="34" charset="-128"/>
-              </a:defRPr>
-            </a:lvl4pPr>
-            <a:lvl5pPr marL="2057400" indent="-228600" eaLnBrk="0" hangingPunct="0">
-              <a:defRPr>
-                <a:solidFill>
-                  <a:schemeClr val="tx1"/>
-                </a:solidFill>
-                <a:latin typeface="Arial" panose="020B0604020202020204" pitchFamily="34" charset="0"/>
-                <a:ea typeface="ＭＳ Ｐゴシック" panose="020B0600070205080204" pitchFamily="34" charset="-128"/>
-              </a:defRPr>
-            </a:lvl5pPr>
-            <a:lvl6pPr marL="2514600" indent="-228600" eaLnBrk="0" fontAlgn="base" hangingPunct="0">
-              <a:spcBef>
-                <a:spcPct val="0"/>
-              </a:spcBef>
-              <a:spcAft>
-                <a:spcPct val="0"/>
-              </a:spcAft>
-              <a:defRPr>
-                <a:solidFill>
-                  <a:schemeClr val="tx1"/>
-                </a:solidFill>
-                <a:latin typeface="Arial" panose="020B0604020202020204" pitchFamily="34" charset="0"/>
-                <a:ea typeface="ＭＳ Ｐゴシック" panose="020B0600070205080204" pitchFamily="34" charset="-128"/>
-              </a:defRPr>
-            </a:lvl6pPr>
-            <a:lvl7pPr marL="2971800" indent="-228600" eaLnBrk="0" fontAlgn="base" hangingPunct="0">
-              <a:spcBef>
-                <a:spcPct val="0"/>
-              </a:spcBef>
-              <a:spcAft>
-                <a:spcPct val="0"/>
-              </a:spcAft>
-              <a:defRPr>
-                <a:solidFill>
-                  <a:schemeClr val="tx1"/>
-                </a:solidFill>
-                <a:latin typeface="Arial" panose="020B0604020202020204" pitchFamily="34" charset="0"/>
-                <a:ea typeface="ＭＳ Ｐゴシック" panose="020B0600070205080204" pitchFamily="34" charset="-128"/>
-              </a:defRPr>
-            </a:lvl7pPr>
-            <a:lvl8pPr marL="3429000" indent="-228600" eaLnBrk="0" fontAlgn="base" hangingPunct="0">
-              <a:spcBef>
-                <a:spcPct val="0"/>
-              </a:spcBef>
-              <a:spcAft>
-                <a:spcPct val="0"/>
-              </a:spcAft>
-              <a:defRPr>
-                <a:solidFill>
-                  <a:schemeClr val="tx1"/>
-                </a:solidFill>
-                <a:latin typeface="Arial" panose="020B0604020202020204" pitchFamily="34" charset="0"/>
-                <a:ea typeface="ＭＳ Ｐゴシック" panose="020B0600070205080204" pitchFamily="34" charset="-128"/>
-              </a:defRPr>
-            </a:lvl8pPr>
-            <a:lvl9pPr marL="3886200" indent="-228600" eaLnBrk="0" fontAlgn="base" hangingPunct="0">
-              <a:spcBef>
-                <a:spcPct val="0"/>
-              </a:spcBef>
-              <a:spcAft>
-                <a:spcPct val="0"/>
-              </a:spcAft>
-              <a:defRPr>
-                <a:solidFill>
-                  <a:schemeClr val="tx1"/>
-                </a:solidFill>
-                <a:latin typeface="Arial" panose="020B0604020202020204" pitchFamily="34" charset="0"/>
-                <a:ea typeface="ＭＳ Ｐゴシック" panose="020B0600070205080204" pitchFamily="34" charset="-128"/>
-              </a:defRPr>
-            </a:lvl9pPr>
-          </a:lstStyle>
-          <a:p>
-            <a:pPr defTabSz="914400" eaLnBrk="1" hangingPunct="1"/>
-            <a:endParaRPr lang="en-US" altLang="en-US">
-              <a:latin typeface="Calibri" panose="020F0502020204030204" pitchFamily="34" charset="0"/>
-            </a:endParaRPr>
-          </a:p>
-        </p:txBody>
-      </p:sp>
-      <p:sp>
-        <p:nvSpPr>
-          <p:cNvPr id="29714" name="Up Arrow 27"/>
-          <p:cNvSpPr>
-            <a:spLocks noChangeArrowheads="1"/>
-          </p:cNvSpPr>
-          <p:nvPr/>
-        </p:nvSpPr>
-        <p:spPr bwMode="auto">
-          <a:xfrm>
-            <a:off x="2789238" y="1465263"/>
-            <a:ext cx="282575" cy="230187"/>
-          </a:xfrm>
-          <a:prstGeom prst="upArrow">
-            <a:avLst>
-              <a:gd name="adj1" fmla="val 36944"/>
-              <a:gd name="adj2" fmla="val 56144"/>
-            </a:avLst>
-          </a:prstGeom>
-          <a:solidFill>
-            <a:schemeClr val="bg1"/>
-          </a:solidFill>
-          <a:ln w="12700" algn="ctr">
-            <a:solidFill>
-              <a:srgbClr val="00B0F0"/>
-            </a:solidFill>
-            <a:round/>
-            <a:headEnd/>
-            <a:tailEnd/>
-          </a:ln>
-        </p:spPr>
-        <p:txBody>
-          <a:bodyPr/>
-          <a:lstStyle>
-            <a:lvl1pPr eaLnBrk="0" hangingPunct="0">
-              <a:defRPr>
-                <a:solidFill>
-                  <a:schemeClr val="tx1"/>
-                </a:solidFill>
-                <a:latin typeface="Arial" panose="020B0604020202020204" pitchFamily="34" charset="0"/>
-                <a:ea typeface="ＭＳ Ｐゴシック" panose="020B0600070205080204" pitchFamily="34" charset="-128"/>
-              </a:defRPr>
-            </a:lvl1pPr>
-            <a:lvl2pPr marL="742950" indent="-285750" eaLnBrk="0" hangingPunct="0">
-              <a:defRPr>
-                <a:solidFill>
-                  <a:schemeClr val="tx1"/>
-                </a:solidFill>
-                <a:latin typeface="Arial" panose="020B0604020202020204" pitchFamily="34" charset="0"/>
-                <a:ea typeface="ＭＳ Ｐゴシック" panose="020B0600070205080204" pitchFamily="34" charset="-128"/>
-              </a:defRPr>
-            </a:lvl2pPr>
-            <a:lvl3pPr marL="1143000" indent="-228600" eaLnBrk="0" hangingPunct="0">
-              <a:defRPr>
-                <a:solidFill>
-                  <a:schemeClr val="tx1"/>
-                </a:solidFill>
-                <a:latin typeface="Arial" panose="020B0604020202020204" pitchFamily="34" charset="0"/>
-                <a:ea typeface="ＭＳ Ｐゴシック" panose="020B0600070205080204" pitchFamily="34" charset="-128"/>
-              </a:defRPr>
-            </a:lvl3pPr>
-            <a:lvl4pPr marL="1600200" indent="-228600" eaLnBrk="0" hangingPunct="0">
-              <a:defRPr>
-                <a:solidFill>
-                  <a:schemeClr val="tx1"/>
-                </a:solidFill>
-                <a:latin typeface="Arial" panose="020B0604020202020204" pitchFamily="34" charset="0"/>
-                <a:ea typeface="ＭＳ Ｐゴシック" panose="020B0600070205080204" pitchFamily="34" charset="-128"/>
-              </a:defRPr>
-            </a:lvl4pPr>
-            <a:lvl5pPr marL="2057400" indent="-228600" eaLnBrk="0" hangingPunct="0">
-              <a:defRPr>
-                <a:solidFill>
-                  <a:schemeClr val="tx1"/>
-                </a:solidFill>
-                <a:latin typeface="Arial" panose="020B0604020202020204" pitchFamily="34" charset="0"/>
-                <a:ea typeface="ＭＳ Ｐゴシック" panose="020B0600070205080204" pitchFamily="34" charset="-128"/>
-              </a:defRPr>
-            </a:lvl5pPr>
-            <a:lvl6pPr marL="2514600" indent="-228600" eaLnBrk="0" fontAlgn="base" hangingPunct="0">
-              <a:spcBef>
-                <a:spcPct val="0"/>
-              </a:spcBef>
-              <a:spcAft>
-                <a:spcPct val="0"/>
-              </a:spcAft>
-              <a:defRPr>
-                <a:solidFill>
-                  <a:schemeClr val="tx1"/>
-                </a:solidFill>
-                <a:latin typeface="Arial" panose="020B0604020202020204" pitchFamily="34" charset="0"/>
-                <a:ea typeface="ＭＳ Ｐゴシック" panose="020B0600070205080204" pitchFamily="34" charset="-128"/>
-              </a:defRPr>
-            </a:lvl6pPr>
-            <a:lvl7pPr marL="2971800" indent="-228600" eaLnBrk="0" fontAlgn="base" hangingPunct="0">
-              <a:spcBef>
-                <a:spcPct val="0"/>
-              </a:spcBef>
-              <a:spcAft>
-                <a:spcPct val="0"/>
-              </a:spcAft>
-              <a:defRPr>
-                <a:solidFill>
-                  <a:schemeClr val="tx1"/>
-                </a:solidFill>
-                <a:latin typeface="Arial" panose="020B0604020202020204" pitchFamily="34" charset="0"/>
-                <a:ea typeface="ＭＳ Ｐゴシック" panose="020B0600070205080204" pitchFamily="34" charset="-128"/>
-              </a:defRPr>
-            </a:lvl7pPr>
-            <a:lvl8pPr marL="3429000" indent="-228600" eaLnBrk="0" fontAlgn="base" hangingPunct="0">
-              <a:spcBef>
-                <a:spcPct val="0"/>
-              </a:spcBef>
-              <a:spcAft>
-                <a:spcPct val="0"/>
-              </a:spcAft>
-              <a:defRPr>
-                <a:solidFill>
-                  <a:schemeClr val="tx1"/>
-                </a:solidFill>
-                <a:latin typeface="Arial" panose="020B0604020202020204" pitchFamily="34" charset="0"/>
-                <a:ea typeface="ＭＳ Ｐゴシック" panose="020B0600070205080204" pitchFamily="34" charset="-128"/>
-              </a:defRPr>
-            </a:lvl8pPr>
-            <a:lvl9pPr marL="3886200" indent="-228600" eaLnBrk="0" fontAlgn="base" hangingPunct="0">
-              <a:spcBef>
-                <a:spcPct val="0"/>
-              </a:spcBef>
-              <a:spcAft>
-                <a:spcPct val="0"/>
-              </a:spcAft>
-              <a:defRPr>
-                <a:solidFill>
-                  <a:schemeClr val="tx1"/>
-                </a:solidFill>
-                <a:latin typeface="Arial" panose="020B0604020202020204" pitchFamily="34" charset="0"/>
-                <a:ea typeface="ＭＳ Ｐゴシック" panose="020B0600070205080204" pitchFamily="34" charset="-128"/>
-              </a:defRPr>
-            </a:lvl9pPr>
-          </a:lstStyle>
-          <a:p>
-            <a:pPr defTabSz="914400" eaLnBrk="1" hangingPunct="1"/>
-            <a:endParaRPr lang="en-US" altLang="en-US">
-              <a:latin typeface="Calibri" panose="020F0502020204030204" pitchFamily="34" charset="0"/>
-            </a:endParaRPr>
-          </a:p>
-        </p:txBody>
-      </p:sp>
-      <p:sp>
-        <p:nvSpPr>
-          <p:cNvPr id="29715" name="Up Arrow 28"/>
-          <p:cNvSpPr>
-            <a:spLocks noChangeArrowheads="1"/>
-          </p:cNvSpPr>
-          <p:nvPr/>
-        </p:nvSpPr>
-        <p:spPr bwMode="auto">
-          <a:xfrm>
-            <a:off x="8077200" y="1414463"/>
-            <a:ext cx="282575" cy="279400"/>
-          </a:xfrm>
-          <a:prstGeom prst="upArrow">
-            <a:avLst>
-              <a:gd name="adj1" fmla="val 36944"/>
-              <a:gd name="adj2" fmla="val 56144"/>
-            </a:avLst>
-          </a:prstGeom>
-          <a:solidFill>
-            <a:schemeClr val="bg1"/>
-          </a:solidFill>
-          <a:ln w="12700" algn="ctr">
-            <a:solidFill>
-              <a:srgbClr val="00B0F0"/>
-            </a:solidFill>
-            <a:round/>
-            <a:headEnd/>
-            <a:tailEnd/>
-          </a:ln>
-        </p:spPr>
-        <p:txBody>
-          <a:bodyPr/>
-          <a:lstStyle>
-            <a:lvl1pPr eaLnBrk="0" hangingPunct="0">
-              <a:defRPr>
-                <a:solidFill>
-                  <a:schemeClr val="tx1"/>
-                </a:solidFill>
-                <a:latin typeface="Arial" panose="020B0604020202020204" pitchFamily="34" charset="0"/>
-                <a:ea typeface="ＭＳ Ｐゴシック" panose="020B0600070205080204" pitchFamily="34" charset="-128"/>
-              </a:defRPr>
-            </a:lvl1pPr>
-            <a:lvl2pPr marL="742950" indent="-285750" eaLnBrk="0" hangingPunct="0">
-              <a:defRPr>
-                <a:solidFill>
-                  <a:schemeClr val="tx1"/>
-                </a:solidFill>
-                <a:latin typeface="Arial" panose="020B0604020202020204" pitchFamily="34" charset="0"/>
-                <a:ea typeface="ＭＳ Ｐゴシック" panose="020B0600070205080204" pitchFamily="34" charset="-128"/>
-              </a:defRPr>
-            </a:lvl2pPr>
-            <a:lvl3pPr marL="1143000" indent="-228600" eaLnBrk="0" hangingPunct="0">
-              <a:defRPr>
-                <a:solidFill>
-                  <a:schemeClr val="tx1"/>
-                </a:solidFill>
-                <a:latin typeface="Arial" panose="020B0604020202020204" pitchFamily="34" charset="0"/>
-                <a:ea typeface="ＭＳ Ｐゴシック" panose="020B0600070205080204" pitchFamily="34" charset="-128"/>
-              </a:defRPr>
-            </a:lvl3pPr>
-            <a:lvl4pPr marL="1600200" indent="-228600" eaLnBrk="0" hangingPunct="0">
-              <a:defRPr>
-                <a:solidFill>
-                  <a:schemeClr val="tx1"/>
-                </a:solidFill>
-                <a:latin typeface="Arial" panose="020B0604020202020204" pitchFamily="34" charset="0"/>
-                <a:ea typeface="ＭＳ Ｐゴシック" panose="020B0600070205080204" pitchFamily="34" charset="-128"/>
-              </a:defRPr>
-            </a:lvl4pPr>
-            <a:lvl5pPr marL="2057400" indent="-228600" eaLnBrk="0" hangingPunct="0">
-              <a:defRPr>
-                <a:solidFill>
-                  <a:schemeClr val="tx1"/>
-                </a:solidFill>
-                <a:latin typeface="Arial" panose="020B0604020202020204" pitchFamily="34" charset="0"/>
-                <a:ea typeface="ＭＳ Ｐゴシック" panose="020B0600070205080204" pitchFamily="34" charset="-128"/>
-              </a:defRPr>
-            </a:lvl5pPr>
-            <a:lvl6pPr marL="2514600" indent="-228600" eaLnBrk="0" fontAlgn="base" hangingPunct="0">
-              <a:spcBef>
-                <a:spcPct val="0"/>
-              </a:spcBef>
-              <a:spcAft>
-                <a:spcPct val="0"/>
-              </a:spcAft>
-              <a:defRPr>
-                <a:solidFill>
-                  <a:schemeClr val="tx1"/>
-                </a:solidFill>
-                <a:latin typeface="Arial" panose="020B0604020202020204" pitchFamily="34" charset="0"/>
-                <a:ea typeface="ＭＳ Ｐゴシック" panose="020B0600070205080204" pitchFamily="34" charset="-128"/>
-              </a:defRPr>
-            </a:lvl6pPr>
-            <a:lvl7pPr marL="2971800" indent="-228600" eaLnBrk="0" fontAlgn="base" hangingPunct="0">
-              <a:spcBef>
-                <a:spcPct val="0"/>
-              </a:spcBef>
-              <a:spcAft>
-                <a:spcPct val="0"/>
-              </a:spcAft>
-              <a:defRPr>
-                <a:solidFill>
-                  <a:schemeClr val="tx1"/>
-                </a:solidFill>
-                <a:latin typeface="Arial" panose="020B0604020202020204" pitchFamily="34" charset="0"/>
-                <a:ea typeface="ＭＳ Ｐゴシック" panose="020B0600070205080204" pitchFamily="34" charset="-128"/>
-              </a:defRPr>
-            </a:lvl7pPr>
-            <a:lvl8pPr marL="3429000" indent="-228600" eaLnBrk="0" fontAlgn="base" hangingPunct="0">
-              <a:spcBef>
-                <a:spcPct val="0"/>
-              </a:spcBef>
-              <a:spcAft>
-                <a:spcPct val="0"/>
-              </a:spcAft>
-              <a:defRPr>
-                <a:solidFill>
-                  <a:schemeClr val="tx1"/>
-                </a:solidFill>
-                <a:latin typeface="Arial" panose="020B0604020202020204" pitchFamily="34" charset="0"/>
-                <a:ea typeface="ＭＳ Ｐゴシック" panose="020B0600070205080204" pitchFamily="34" charset="-128"/>
-              </a:defRPr>
-            </a:lvl8pPr>
-            <a:lvl9pPr marL="3886200" indent="-228600" eaLnBrk="0" fontAlgn="base" hangingPunct="0">
-              <a:spcBef>
-                <a:spcPct val="0"/>
-              </a:spcBef>
-              <a:spcAft>
-                <a:spcPct val="0"/>
-              </a:spcAft>
-              <a:defRPr>
-                <a:solidFill>
-                  <a:schemeClr val="tx1"/>
-                </a:solidFill>
-                <a:latin typeface="Arial" panose="020B0604020202020204" pitchFamily="34" charset="0"/>
-                <a:ea typeface="ＭＳ Ｐゴシック" panose="020B0600070205080204" pitchFamily="34" charset="-128"/>
-              </a:defRPr>
-            </a:lvl9pPr>
-          </a:lstStyle>
-          <a:p>
-            <a:pPr defTabSz="914400" eaLnBrk="1" hangingPunct="1"/>
-            <a:endParaRPr lang="en-US" altLang="en-US">
-              <a:latin typeface="Calibri" panose="020F0502020204030204" pitchFamily="34" charset="0"/>
-            </a:endParaRPr>
-          </a:p>
-        </p:txBody>
-      </p:sp>
-      <p:grpSp>
-        <p:nvGrpSpPr>
-          <p:cNvPr id="4" name="Group 14"/>
-          <p:cNvGrpSpPr/>
-          <p:nvPr/>
-        </p:nvGrpSpPr>
-        <p:grpSpPr>
-          <a:xfrm>
-            <a:off x="4724401" y="3445846"/>
-            <a:ext cx="3634831" cy="538348"/>
-            <a:chOff x="4600228" y="2609519"/>
-            <a:chExt cx="3857973" cy="1299230"/>
-          </a:xfrm>
-          <a:effectLst>
-            <a:outerShdw blurRad="50800" dist="38100" dir="2700000" algn="tl" rotWithShape="0">
-              <a:prstClr val="black">
-                <a:alpha val="40000"/>
-              </a:prstClr>
-            </a:outerShdw>
-          </a:effectLst>
-        </p:grpSpPr>
-        <p:sp>
-          <p:nvSpPr>
-            <p:cNvPr id="13" name="Bent-Up Arrow 12"/>
-            <p:cNvSpPr/>
-            <p:nvPr/>
-          </p:nvSpPr>
-          <p:spPr bwMode="auto">
-            <a:xfrm flipH="1" flipV="1">
-              <a:off x="4600228" y="3295315"/>
-              <a:ext cx="3857972" cy="613434"/>
-            </a:xfrm>
-            <a:prstGeom prst="bentUpArrow">
-              <a:avLst>
-                <a:gd name="adj1" fmla="val 26129"/>
-                <a:gd name="adj2" fmla="val 50000"/>
-                <a:gd name="adj3" fmla="val 40906"/>
-              </a:avLst>
-            </a:prstGeom>
-            <a:solidFill>
-              <a:srgbClr val="00B0F0"/>
-            </a:solidFill>
-            <a:ln>
-              <a:noFill/>
-              <a:headEnd type="none" w="med" len="med"/>
-              <a:tailEnd type="none" w="med" len="med"/>
-            </a:ln>
-            <a:effectLst/>
-          </p:spPr>
-          <p:style>
-            <a:lnRef idx="1">
-              <a:schemeClr val="accent1"/>
-            </a:lnRef>
-            <a:fillRef idx="2">
-              <a:schemeClr val="accent1"/>
-            </a:fillRef>
-            <a:effectRef idx="1">
-              <a:schemeClr val="accent1"/>
-            </a:effectRef>
-            <a:fontRef idx="minor">
-              <a:schemeClr val="dk1"/>
-            </a:fontRef>
-          </p:style>
-          <p:txBody>
-            <a:bodyPr/>
-            <a:lstStyle/>
-            <a:p>
-              <a:pPr defTabSz="914400">
-                <a:defRPr/>
-              </a:pPr>
-              <a:endParaRPr lang="en-US">
-                <a:solidFill>
-                  <a:schemeClr val="tx1"/>
-                </a:solidFill>
-              </a:endParaRPr>
-            </a:p>
-          </p:txBody>
-        </p:sp>
-        <p:sp>
-          <p:nvSpPr>
-            <p:cNvPr id="14" name="Rectangle 13"/>
-            <p:cNvSpPr/>
-            <p:nvPr/>
-          </p:nvSpPr>
-          <p:spPr bwMode="auto">
-            <a:xfrm>
-              <a:off x="8388255" y="2609519"/>
-              <a:ext cx="69946" cy="685796"/>
-            </a:xfrm>
-            <a:prstGeom prst="rect">
-              <a:avLst/>
-            </a:prstGeom>
-            <a:solidFill>
-              <a:srgbClr val="00B0F0"/>
-            </a:solidFill>
-            <a:ln w="9525" cap="flat" cmpd="sng" algn="ctr">
-              <a:noFill/>
-              <a:prstDash val="solid"/>
-              <a:round/>
-              <a:headEnd type="none" w="med" len="med"/>
-              <a:tailEnd type="none" w="med" len="med"/>
-            </a:ln>
-            <a:effectLst/>
-          </p:spPr>
-          <p:txBody>
-            <a:bodyPr/>
-            <a:lstStyle/>
-            <a:p>
-              <a:pPr defTabSz="914400">
-                <a:defRPr/>
-              </a:pPr>
-              <a:endParaRPr lang="en-US">
-                <a:latin typeface="Calibri" pitchFamily="34" charset="0"/>
-              </a:endParaRPr>
-            </a:p>
-          </p:txBody>
-        </p:sp>
-      </p:grpSp>
-      <p:sp>
-        <p:nvSpPr>
-          <p:cNvPr id="27" name="Footer Placeholder 3"/>
-          <p:cNvSpPr>
-            <a:spLocks noGrp="1"/>
-          </p:cNvSpPr>
-          <p:nvPr>
-            <p:ph type="ftr" sz="quarter" idx="11"/>
-          </p:nvPr>
-        </p:nvSpPr>
-        <p:spPr>
-          <a:xfrm>
-            <a:off x="71438" y="6265863"/>
-            <a:ext cx="8991600" cy="609600"/>
-          </a:xfrm>
-        </p:spPr>
-        <p:txBody>
-          <a:bodyPr/>
-          <a:lstStyle/>
-          <a:p>
-            <a:pPr algn="l">
-              <a:defRPr/>
-            </a:pPr>
-            <a:r>
-              <a:rPr lang="en-US" sz="1000" dirty="0" smtClean="0">
-                <a:solidFill>
-                  <a:schemeClr val="bg2">
-                    <a:lumMod val="10000"/>
-                  </a:schemeClr>
-                </a:solidFill>
-                <a:latin typeface="Times New Roman" pitchFamily="18" charset="0"/>
-                <a:cs typeface="Times New Roman" pitchFamily="18" charset="0"/>
-              </a:rPr>
-              <a:t>X. Shi, R. </a:t>
-            </a:r>
-            <a:r>
-              <a:rPr lang="en-US" sz="1000" dirty="0" err="1" smtClean="0">
-                <a:solidFill>
-                  <a:schemeClr val="bg2">
-                    <a:lumMod val="10000"/>
-                  </a:schemeClr>
-                </a:solidFill>
-                <a:latin typeface="Times New Roman" pitchFamily="18" charset="0"/>
-                <a:cs typeface="Times New Roman" pitchFamily="18" charset="0"/>
-              </a:rPr>
-              <a:t>Reininger</a:t>
-            </a:r>
-            <a:r>
-              <a:rPr lang="en-US" sz="1000" dirty="0" smtClean="0">
-                <a:solidFill>
-                  <a:schemeClr val="bg2">
-                    <a:lumMod val="10000"/>
-                  </a:schemeClr>
-                </a:solidFill>
-                <a:latin typeface="Times New Roman" pitchFamily="18" charset="0"/>
-                <a:cs typeface="Times New Roman" pitchFamily="18" charset="0"/>
-              </a:rPr>
-              <a:t>, M. Sanchez del Rio, L. </a:t>
-            </a:r>
-            <a:r>
-              <a:rPr lang="en-US" sz="1000" dirty="0" err="1" smtClean="0">
-                <a:solidFill>
-                  <a:schemeClr val="bg2">
-                    <a:lumMod val="10000"/>
-                  </a:schemeClr>
-                </a:solidFill>
-                <a:latin typeface="Times New Roman" pitchFamily="18" charset="0"/>
-                <a:cs typeface="Times New Roman" pitchFamily="18" charset="0"/>
-              </a:rPr>
-              <a:t>Assoufid</a:t>
-            </a:r>
-            <a:r>
-              <a:rPr lang="en-US" sz="1000" dirty="0" smtClean="0">
-                <a:solidFill>
-                  <a:schemeClr val="bg2">
-                    <a:lumMod val="10000"/>
-                  </a:schemeClr>
-                </a:solidFill>
-                <a:latin typeface="Times New Roman" pitchFamily="18" charset="0"/>
-                <a:cs typeface="Times New Roman" pitchFamily="18" charset="0"/>
-              </a:rPr>
-              <a:t> “ </a:t>
-            </a:r>
-            <a:r>
-              <a:rPr lang="sv-SE" sz="1000" dirty="0" smtClean="0">
-                <a:solidFill>
-                  <a:schemeClr val="bg2">
-                    <a:lumMod val="10000"/>
-                  </a:schemeClr>
-                </a:solidFill>
-                <a:latin typeface="Times New Roman" pitchFamily="18" charset="0"/>
-                <a:cs typeface="Times New Roman" pitchFamily="18" charset="0"/>
-              </a:rPr>
-              <a:t>J. Synchrotron Rad. (2014) 21, doi:10.1107/S160057751400650X</a:t>
-            </a:r>
-          </a:p>
-          <a:p>
-            <a:pPr algn="l">
-              <a:defRPr/>
-            </a:pPr>
-            <a:r>
-              <a:rPr lang="sv-SE" sz="1000" dirty="0" smtClean="0">
-                <a:solidFill>
-                  <a:schemeClr val="bg2">
-                    <a:lumMod val="10000"/>
-                  </a:schemeClr>
-                </a:solidFill>
-                <a:latin typeface="Times New Roman" pitchFamily="18" charset="0"/>
-                <a:cs typeface="Times New Roman" pitchFamily="18" charset="0"/>
-              </a:rPr>
-              <a:t>X. Shi, M. Sanchez del Rio and Ruben Reininger Proc. SPIE 9209, 920911 (2014); doi:10.1117/12.2061984</a:t>
-            </a:r>
-          </a:p>
-          <a:p>
-            <a:pPr algn="l">
-              <a:defRPr/>
-            </a:pPr>
-            <a:r>
-              <a:rPr lang="sv-SE" sz="1000" dirty="0" smtClean="0">
-                <a:solidFill>
-                  <a:schemeClr val="bg2">
-                    <a:lumMod val="10000"/>
-                  </a:schemeClr>
-                </a:solidFill>
-                <a:latin typeface="Times New Roman" pitchFamily="18" charset="0"/>
-                <a:cs typeface="Times New Roman" pitchFamily="18" charset="0"/>
-              </a:rPr>
-              <a:t>X. Shi, R. Reininger, M. Sánchez del Río, J. Qian and L. Assoufid Proc. SPIE 9209, 920909 (2014); doi:10.1117/12.2061950</a:t>
-            </a:r>
-          </a:p>
-        </p:txBody>
-      </p:sp>
-    </p:spTree>
-  </p:cSld>
-  <p:clrMapOvr>
-    <a:masterClrMapping/>
-  </p:clrMapOvr>
-  <p:timing>
-    <p:tnLst>
-      <p:par>
-        <p:cTn xmlns:p14="http://schemas.microsoft.com/office/powerpoint/2010/main" id="1" dur="indefinite" restart="never" nodeType="tmRoot"/>
-      </p:par>
-    </p:tnLst>
-  </p:timing>
-</p:sld>
-</file>
-
 <file path=ppt/theme/theme1.xml><?xml version="1.0" encoding="utf-8"?>
 <a:theme xmlns:a="http://schemas.openxmlformats.org/drawingml/2006/main" name="Office Theme">
   <a:themeElements>
